--- a/Activity 2/Vertudez_Activity_2_Part_1_Report.pptx
+++ b/Activity 2/Vertudez_Activity_2_Part_1_Report.pptx
@@ -6882,7 +6882,15 @@
           <a:p>
             <a:r>
               <a:rPr lang="en-US" dirty="0"/>
-              <a:t>I give myself an 9/10.</a:t>
+              <a:t>I give myself </a:t>
+            </a:r>
+            <a:r>
+              <a:rPr lang="en-US"/>
+              <a:t>an 10/10</a:t>
+            </a:r>
+            <a:r>
+              <a:rPr lang="en-US" dirty="0"/>
+              <a:t>.</a:t>
             </a:r>
           </a:p>
         </p:txBody>

--- a/Activity 2/Vertudez_Activity_2_Part_1_Report.pptx
+++ b/Activity 2/Vertudez_Activity_2_Part_1_Report.pptx
@@ -6882,15 +6882,7 @@
           <a:p>
             <a:r>
               <a:rPr lang="en-US" dirty="0"/>
-              <a:t>I give myself </a:t>
-            </a:r>
-            <a:r>
-              <a:rPr lang="en-US"/>
-              <a:t>an 10/10</a:t>
-            </a:r>
-            <a:r>
-              <a:rPr lang="en-US" dirty="0"/>
-              <a:t>.</a:t>
+              <a:t>I give myself a 10/10.</a:t>
             </a:r>
           </a:p>
         </p:txBody>
